--- a/defence_of_progect/presentation.pptx
+++ b/defence_of_progect/presentation.pptx
@@ -3296,11 +3296,7 @@
           <a:p>
             <a:r>
               <a:rPr lang="en-US" sz="2800" dirty="0" smtClean="0"/>
-              <a:t>exe</a:t>
-            </a:r>
-            <a:r>
-              <a:rPr lang="en-US" sz="2800" dirty="0" smtClean="0"/>
-              <a:t> </a:t>
+              <a:t>exe </a:t>
             </a:r>
             <a:r>
               <a:rPr lang="ru-RU" sz="2800" b="1" u="sng" dirty="0" smtClean="0"/>
@@ -3980,8 +3976,8 @@
         </p:blipFill>
         <p:spPr bwMode="auto">
           <a:xfrm>
-            <a:off x="2513816" y="2730621"/>
-            <a:ext cx="4022850" cy="2265119"/>
+            <a:off x="-234130" y="2730621"/>
+            <a:ext cx="4949019" cy="2786611"/>
           </a:xfrm>
           <a:prstGeom prst="rect">
             <a:avLst/>
@@ -4008,7 +4004,7 @@
         </p:nvSpPr>
         <p:spPr>
           <a:xfrm>
-            <a:off x="587433" y="5353208"/>
+            <a:off x="587433" y="5749250"/>
             <a:ext cx="7969134" cy="792084"/>
           </a:xfrm>
           <a:prstGeom prst="rect">
@@ -4192,6 +4188,47 @@
           </a:p>
         </p:txBody>
       </p:sp>
+      <p:pic>
+        <p:nvPicPr>
+          <p:cNvPr id="1032" name="Picture 8" descr="http://qrcoder.ru/code/?https%3A%2F%2Fgithub.com%2Fnovd7%2Fyandex_project1_stress_in_words&amp;8&amp;0"/>
+          <p:cNvPicPr>
+            <a:picLocks noChangeAspect="1" noChangeArrowheads="1"/>
+          </p:cNvPicPr>
+          <p:nvPr/>
+        </p:nvPicPr>
+        <p:blipFill>
+          <a:blip r:embed="rId4">
+            <a:extLst>
+              <a:ext uri="{28A0092B-C50C-407E-A947-70E740481C1C}">
+                <a14:useLocalDpi xmlns:a14="http://schemas.microsoft.com/office/drawing/2010/main" val="0"/>
+              </a:ext>
+            </a:extLst>
+          </a:blip>
+          <a:srcRect/>
+          <a:stretch>
+            <a:fillRect/>
+          </a:stretch>
+        </p:blipFill>
+        <p:spPr bwMode="auto">
+          <a:xfrm>
+            <a:off x="5220072" y="2730621"/>
+            <a:ext cx="3124200" cy="3124201"/>
+          </a:xfrm>
+          <a:prstGeom prst="rect">
+            <a:avLst/>
+          </a:prstGeom>
+          <a:noFill/>
+          <a:extLst>
+            <a:ext uri="{909E8E84-426E-40DD-AFC4-6F175D3DCCD1}">
+              <a14:hiddenFill xmlns:a14="http://schemas.microsoft.com/office/drawing/2010/main">
+                <a:solidFill>
+                  <a:srgbClr val="FFFFFF"/>
+                </a:solidFill>
+              </a14:hiddenFill>
+            </a:ext>
+          </a:extLst>
+        </p:spPr>
+      </p:pic>
     </p:spTree>
     <p:extLst>
       <p:ext uri="{BB962C8B-B14F-4D97-AF65-F5344CB8AC3E}">
@@ -4360,12 +4397,20 @@
           <a:p>
             <a:pPr algn="l"/>
             <a:r>
+              <a:rPr lang="ru-RU" b="1" i="1" dirty="0" smtClean="0">
+                <a:solidFill>
+                  <a:schemeClr val="tx1"/>
+                </a:solidFill>
+              </a:rPr>
+              <a:t>Дата</a:t>
+            </a:r>
+            <a:r>
               <a:rPr lang="ru-RU" i="1" dirty="0" smtClean="0">
                 <a:solidFill>
                   <a:schemeClr val="tx1"/>
                 </a:solidFill>
               </a:rPr>
-              <a:t>Дата: 7 ноября 2022 </a:t>
+              <a:t>: 7 ноября 2022 </a:t>
             </a:r>
             <a:r>
               <a:rPr lang="ru-RU" dirty="0" smtClean="0">
@@ -5215,7 +5260,15 @@
           <a:p>
             <a:r>
               <a:rPr lang="ru-RU" dirty="0" smtClean="0"/>
-              <a:t>Сервис решу ЕГЭ, где можно подготовиться к экзамену по любому предмету</a:t>
+              <a:t>Сервис </a:t>
+            </a:r>
+            <a:r>
+              <a:rPr lang="ru-RU" i="1" dirty="0" smtClean="0"/>
+              <a:t>«Решу ЕГЭ», </a:t>
+            </a:r>
+            <a:r>
+              <a:rPr lang="ru-RU" dirty="0" smtClean="0"/>
+              <a:t>где можно подготовиться к экзамену по любому предмету</a:t>
             </a:r>
             <a:endParaRPr lang="ru-RU" dirty="0"/>
           </a:p>
@@ -5345,13 +5398,13 @@
           <a:p>
             <a:r>
               <a:rPr lang="ru-RU" dirty="0" smtClean="0"/>
-              <a:t>Создать дизайн всех окон</a:t>
+              <a:t>Разработать дизайн всех окон</a:t>
             </a:r>
           </a:p>
           <a:p>
             <a:r>
               <a:rPr lang="ru-RU" dirty="0" smtClean="0"/>
-              <a:t>Организовать получение пользовательских данных</a:t>
+              <a:t>Организовать диалоги с пользователем для запроса необходимых данных</a:t>
             </a:r>
           </a:p>
           <a:p>
@@ -7493,7 +7546,7 @@
             <a:pPr algn="l"/>
             <a:r>
               <a:rPr lang="ru-RU" dirty="0" smtClean="0"/>
-              <a:t>Выполнение критерий</a:t>
+              <a:t>Выполнение критериев</a:t>
             </a:r>
             <a:endParaRPr lang="ru-RU" dirty="0"/>
           </a:p>
@@ -7526,7 +7579,7 @@
             </a:r>
             <a:r>
               <a:rPr lang="ru-RU" sz="2800" dirty="0" smtClean="0"/>
-              <a:t>– 506 строк</a:t>
+              <a:t>– 535 строк</a:t>
             </a:r>
           </a:p>
           <a:p>
@@ -7536,7 +7589,7 @@
             </a:r>
             <a:r>
               <a:rPr lang="en-US" sz="2800" dirty="0" smtClean="0"/>
-              <a:t>Pep8,</a:t>
+              <a:t>PEP8,</a:t>
             </a:r>
             <a:r>
               <a:rPr lang="ru-RU" sz="2800" dirty="0" smtClean="0"/>
@@ -7808,11 +7861,7 @@
             </a:r>
             <a:r>
               <a:rPr lang="en-US" sz="2800" dirty="0" smtClean="0"/>
-              <a:t>csv</a:t>
-            </a:r>
-            <a:r>
-              <a:rPr lang="en-US" sz="2800" dirty="0" smtClean="0"/>
-              <a:t> </a:t>
+              <a:t>csv </a:t>
             </a:r>
             <a:r>
               <a:rPr lang="ru-RU" sz="2800" b="1" u="sng" dirty="0" smtClean="0"/>

--- a/defence_of_progect/presentation.pptx
+++ b/defence_of_progect/presentation.pptx
@@ -7784,12 +7784,12 @@
           </a:p>
           <a:p>
             <a:r>
-              <a:rPr lang="en-US" sz="2800" dirty="0" smtClean="0"/>
-              <a:t> </a:t>
+              <a:rPr lang="ru-RU" sz="2800" smtClean="0"/>
+              <a:t>Несколько </a:t>
             </a:r>
             <a:r>
               <a:rPr lang="ru-RU" sz="2800" dirty="0" smtClean="0"/>
-              <a:t>Несколько форм</a:t>
+              <a:t>форм</a:t>
             </a:r>
             <a:r>
               <a:rPr lang="en-US" sz="2800" dirty="0" smtClean="0"/>
